--- a/hw/ps3/proj3_template.pptx
+++ b/hw/ps3/proj3_template.pptx
@@ -8843,6 +8843,36 @@
           </a:p>
         </p:txBody>
       </p:sp>
+      <p:pic>
+        <p:nvPicPr>
+          <p:cNvPr id="3" name="图片 2">
+            <a:extLst>
+              <a:ext uri="{FF2B5EF4-FFF2-40B4-BE49-F238E27FC236}">
+                <a16:creationId xmlns:a16="http://schemas.microsoft.com/office/drawing/2014/main" id="{7607EB39-1629-A358-128E-3235ED9566E0}"/>
+              </a:ext>
+            </a:extLst>
+          </p:cNvPr>
+          <p:cNvPicPr>
+            <a:picLocks noChangeAspect="1"/>
+          </p:cNvPicPr>
+          <p:nvPr/>
+        </p:nvPicPr>
+        <p:blipFill>
+          <a:blip r:embed="rId3"/>
+          <a:stretch>
+            <a:fillRect/>
+          </a:stretch>
+        </p:blipFill>
+        <p:spPr>
+          <a:xfrm>
+            <a:off x="371179" y="1112292"/>
+            <a:ext cx="4277896" cy="3687841"/>
+          </a:xfrm>
+          <a:prstGeom prst="rect">
+            <a:avLst/>
+          </a:prstGeom>
+        </p:spPr>
+      </p:pic>
     </p:spTree>
   </p:cSld>
   <p:clrMapOvr>
@@ -9037,7 +9067,7 @@
                   <a:srgbClr val="FF0000"/>
                 </a:solidFill>
               </a:rPr>
-              <a:t>&lt;accuracy&gt;</a:t>
+              <a:t>19.27%</a:t>
             </a:r>
           </a:p>
           <a:p>
@@ -9071,7 +9101,7 @@
                   <a:srgbClr val="FF0000"/>
                 </a:solidFill>
               </a:rPr>
-              <a:t>&lt;accuracy&gt;</a:t>
+              <a:t>20.27%</a:t>
             </a:r>
           </a:p>
           <a:p>
@@ -9105,7 +9135,7 @@
                   <a:srgbClr val="FF0000"/>
                 </a:solidFill>
               </a:rPr>
-              <a:t>&lt;accuracy&gt;</a:t>
+              <a:t>20.73%</a:t>
             </a:r>
           </a:p>
           <a:p>
@@ -9205,7 +9235,7 @@
                   <a:srgbClr val="FF0000"/>
                 </a:solidFill>
               </a:rPr>
-              <a:t>&lt;accuracy&gt;</a:t>
+              <a:t>20.07%</a:t>
             </a:r>
           </a:p>
           <a:p>
@@ -9239,7 +9269,7 @@
                   <a:srgbClr val="FF0000"/>
                 </a:solidFill>
               </a:rPr>
-              <a:t>&lt;accuracy&gt;</a:t>
+              <a:t>20.27%</a:t>
             </a:r>
           </a:p>
           <a:p>
@@ -9273,7 +9303,7 @@
                   <a:srgbClr val="FF0000"/>
                 </a:solidFill>
               </a:rPr>
-              <a:t>&lt;accuracy&gt;</a:t>
+              <a:t>20.80%</a:t>
             </a:r>
             <a:endParaRPr dirty="0">
               <a:solidFill>
@@ -9312,7 +9342,7 @@
                   <a:srgbClr val="FF0000"/>
                 </a:solidFill>
               </a:rPr>
-              <a:t>&lt;accuracy&gt;</a:t>
+              <a:t>21.93%</a:t>
             </a:r>
           </a:p>
           <a:p>
@@ -9346,7 +9376,7 @@
                   <a:srgbClr val="FF0000"/>
                 </a:solidFill>
               </a:rPr>
-              <a:t>&lt;accuracy&gt;</a:t>
+              <a:t>22.73%</a:t>
             </a:r>
           </a:p>
           <a:p>
@@ -10070,6 +10100,36 @@
           </a:p>
         </p:txBody>
       </p:sp>
+      <p:pic>
+        <p:nvPicPr>
+          <p:cNvPr id="5" name="图片 4">
+            <a:extLst>
+              <a:ext uri="{FF2B5EF4-FFF2-40B4-BE49-F238E27FC236}">
+                <a16:creationId xmlns:a16="http://schemas.microsoft.com/office/drawing/2014/main" id="{265E65BF-DF33-8745-B67B-3027385B270C}"/>
+              </a:ext>
+            </a:extLst>
+          </p:cNvPr>
+          <p:cNvPicPr>
+            <a:picLocks noChangeAspect="1"/>
+          </p:cNvPicPr>
+          <p:nvPr/>
+        </p:nvPicPr>
+        <p:blipFill>
+          <a:blip r:embed="rId3"/>
+          <a:stretch>
+            <a:fillRect/>
+          </a:stretch>
+        </p:blipFill>
+        <p:spPr>
+          <a:xfrm>
+            <a:off x="478800" y="1449091"/>
+            <a:ext cx="3947742" cy="3423267"/>
+          </a:xfrm>
+          <a:prstGeom prst="rect">
+            <a:avLst/>
+          </a:prstGeom>
+        </p:spPr>
+      </p:pic>
     </p:spTree>
   </p:cSld>
   <p:clrMapOvr>

--- a/hw/ps3/proj3_template.pptx
+++ b/hw/ps3/proj3_template.pptx
@@ -7390,7 +7390,7 @@
                   <a:srgbClr val="FF0000"/>
                 </a:solidFill>
               </a:rPr>
-              <a:t>&lt;&gt;</a:t>
+              <a:t>50</a:t>
             </a:r>
             <a:endParaRPr dirty="0">
               <a:solidFill>
@@ -7429,7 +7429,7 @@
                   <a:srgbClr val="FF0000"/>
                 </a:solidFill>
               </a:rPr>
-              <a:t>&lt;&gt;</a:t>
+              <a:t>15</a:t>
             </a:r>
             <a:endParaRPr lang="en-US" dirty="0">
               <a:solidFill>
@@ -7485,7 +7485,7 @@
                   <a:srgbClr val="FF0000"/>
                 </a:solidFill>
               </a:rPr>
-              <a:t>&lt;&gt;</a:t>
+              <a:t>10</a:t>
             </a:r>
           </a:p>
           <a:p>
@@ -7544,7 +7544,7 @@
                   <a:srgbClr val="FF0000"/>
                 </a:solidFill>
               </a:rPr>
-              <a:t>&lt;&gt;</a:t>
+              <a:t>20</a:t>
             </a:r>
           </a:p>
           <a:p>
@@ -7594,7 +7594,7 @@
                   <a:srgbClr val="FF0000"/>
                 </a:solidFill>
               </a:rPr>
-              <a:t>&lt;&gt;</a:t>
+              <a:t>5</a:t>
             </a:r>
           </a:p>
           <a:p>
@@ -7615,6 +7615,36 @@
           </a:p>
         </p:txBody>
       </p:sp>
+      <p:pic>
+        <p:nvPicPr>
+          <p:cNvPr id="2" name="图片 1">
+            <a:extLst>
+              <a:ext uri="{FF2B5EF4-FFF2-40B4-BE49-F238E27FC236}">
+                <a16:creationId xmlns:a16="http://schemas.microsoft.com/office/drawing/2014/main" id="{BB4562E6-0C3B-F9DE-A5F5-AC4E5B069910}"/>
+              </a:ext>
+            </a:extLst>
+          </p:cNvPr>
+          <p:cNvPicPr>
+            <a:picLocks noChangeAspect="1"/>
+          </p:cNvPicPr>
+          <p:nvPr/>
+        </p:nvPicPr>
+        <p:blipFill>
+          <a:blip r:embed="rId3"/>
+          <a:stretch>
+            <a:fillRect/>
+          </a:stretch>
+        </p:blipFill>
+        <p:spPr>
+          <a:xfrm>
+            <a:off x="384532" y="1325707"/>
+            <a:ext cx="3779536" cy="3269706"/>
+          </a:xfrm>
+          <a:prstGeom prst="rect">
+            <a:avLst/>
+          </a:prstGeom>
+        </p:spPr>
+      </p:pic>
     </p:spTree>
     <p:extLst>
       <p:ext uri="{BB962C8B-B14F-4D97-AF65-F5344CB8AC3E}">
@@ -7691,7 +7721,6 @@
               <a:rPr lang="en" b="1" dirty="0"/>
               <a:t>, what did you observe? Compare the performance difference with the k value experiment in Part 1.3, what can you tell from this?</a:t>
             </a:r>
-            <a:endParaRPr b="1" dirty="0"/>
           </a:p>
           <a:p>
             <a:pPr marL="0" lvl="0" indent="0" algn="l" rtl="0">
@@ -7704,18 +7733,13 @@
               <a:buNone/>
             </a:pPr>
             <a:r>
-              <a:rPr lang="en" dirty="0">
+              <a:rPr lang="en-US" dirty="0">
                 <a:solidFill>
                   <a:srgbClr val="FF0000"/>
                 </a:solidFill>
               </a:rPr>
-              <a:t>&lt;Text solution here&gt;</a:t>
-            </a:r>
-            <a:endParaRPr dirty="0">
-              <a:solidFill>
-                <a:srgbClr val="FF0000"/>
-              </a:solidFill>
-            </a:endParaRPr>
+              <a:t>Greater K gives better performance using vocab size = 50. Since k is how many closest neighbors chosen to vote, a larger k can mitigate the influence of outliers in the nearest points, and generate better performance. Comparing with the experiment in Part 1, the perf gain from increasing k is lower, which means there may be less outliers skewing the predictions in bag of SIFTs.</a:t>
+            </a:r>
           </a:p>
         </p:txBody>
       </p:sp>
@@ -7853,9 +7877,21 @@
             </a:pPr>
             <a:r>
               <a:rPr lang="en" b="1" dirty="0"/>
-              <a:t>Part 3.1: Post best confusion matrix, together with the accuracy out of all the parameters you tested. Report the parameter settings used to obtain this result.</a:t>
-            </a:r>
-            <a:endParaRPr b="1" dirty="0"/>
+              <a:t>Part 3.1: Post best confusion matrix, together with the accuracy out of all the parameters you tested. Report the parameter settings used to obtain this result</a:t>
+            </a:r>
+            <a:r>
+              <a:rPr lang="en" b="1" dirty="0">
+                <a:solidFill>
+                  <a:srgbClr val="FF0000"/>
+                </a:solidFill>
+              </a:rPr>
+              <a:t>. (I have experimented with strides and iters but none better than this run)</a:t>
+            </a:r>
+            <a:endParaRPr b="1" dirty="0">
+              <a:solidFill>
+                <a:srgbClr val="FF0000"/>
+              </a:solidFill>
+            </a:endParaRPr>
           </a:p>
           <a:p>
             <a:pPr marL="0" lvl="0" indent="0" algn="l" rtl="0">
@@ -7891,7 +7927,7 @@
         </p:nvSpPr>
         <p:spPr>
           <a:xfrm>
-            <a:off x="5059025" y="1512832"/>
+            <a:off x="5030744" y="1512832"/>
             <a:ext cx="3427800" cy="3000300"/>
           </a:xfrm>
           <a:prstGeom prst="rect">
@@ -7982,28 +8018,20 @@
               <a:t>m</a:t>
             </a:r>
             <a:r>
-              <a:rPr lang="en" dirty="0" err="1">
+              <a:rPr lang="en" dirty="0">
                 <a:solidFill>
                   <a:schemeClr val="dk2"/>
                 </a:solidFill>
               </a:rPr>
-              <a:t>ax_iter</a:t>
+              <a:t>ax_iter: </a:t>
             </a:r>
             <a:r>
               <a:rPr lang="en" dirty="0">
                 <a:solidFill>
-                  <a:schemeClr val="dk2"/>
+                  <a:srgbClr val="FF0000"/>
                 </a:solidFill>
               </a:rPr>
-              <a:t>: </a:t>
-            </a:r>
-            <a:r>
-              <a:rPr lang="en" dirty="0">
-                <a:solidFill>
-                  <a:srgbClr val="FF0000"/>
-                </a:solidFill>
-              </a:rPr>
-              <a:t>&lt;&gt;</a:t>
+              <a:t>10</a:t>
             </a:r>
           </a:p>
           <a:p>
@@ -8032,44 +8060,20 @@
               <a:t>s</a:t>
             </a:r>
             <a:r>
-              <a:rPr lang="en" dirty="0" err="1">
+              <a:rPr lang="en" dirty="0">
                 <a:solidFill>
                   <a:schemeClr val="dk2"/>
                 </a:solidFill>
               </a:rPr>
-              <a:t>tride</a:t>
+              <a:t>tride(build_vocab): </a:t>
             </a:r>
             <a:r>
               <a:rPr lang="en" dirty="0">
                 <a:solidFill>
-                  <a:schemeClr val="dk2"/>
+                  <a:srgbClr val="FF0000"/>
                 </a:solidFill>
               </a:rPr>
-              <a:t>(</a:t>
-            </a:r>
-            <a:r>
-              <a:rPr lang="en" dirty="0" err="1">
-                <a:solidFill>
-                  <a:schemeClr val="dk2"/>
-                </a:solidFill>
-              </a:rPr>
-              <a:t>build_vocab</a:t>
-            </a:r>
-            <a:r>
-              <a:rPr lang="en" dirty="0">
-                <a:solidFill>
-                  <a:schemeClr val="dk2"/>
-                </a:solidFill>
-              </a:rPr>
-              <a:t>): </a:t>
-            </a:r>
-            <a:r>
-              <a:rPr lang="en" dirty="0">
-                <a:solidFill>
-                  <a:srgbClr val="FF0000"/>
-                </a:solidFill>
-              </a:rPr>
-              <a:t>&lt;&gt;</a:t>
+              <a:t>20</a:t>
             </a:r>
             <a:endParaRPr lang="en" dirty="0">
               <a:solidFill>
@@ -8124,7 +8128,7 @@
                   <a:srgbClr val="FF0000"/>
                 </a:solidFill>
               </a:rPr>
-              <a:t>&lt;&gt;</a:t>
+              <a:t>5</a:t>
             </a:r>
             <a:endParaRPr lang="en" dirty="0">
               <a:solidFill>
@@ -8150,28 +8154,20 @@
           </a:p>
           <a:p>
             <a:r>
-              <a:rPr lang="en" dirty="0" err="1">
+              <a:rPr lang="en" dirty="0">
                 <a:solidFill>
                   <a:schemeClr val="dk2"/>
                 </a:solidFill>
               </a:rPr>
-              <a:t>vocab_size</a:t>
-            </a:r>
-            <a:r>
-              <a:rPr lang="en" dirty="0">
-                <a:solidFill>
-                  <a:schemeClr val="dk2"/>
+              <a:t>vocab_size: </a:t>
+            </a:r>
+            <a:r>
+              <a:rPr lang="en-US" dirty="0">
+                <a:solidFill>
+                  <a:srgbClr val="FF0000"/>
                 </a:solidFill>
               </a:rPr>
-              <a:t>: </a:t>
-            </a:r>
-            <a:r>
-              <a:rPr lang="en" dirty="0">
-                <a:solidFill>
-                  <a:srgbClr val="FF0000"/>
-                </a:solidFill>
-              </a:rPr>
-              <a:t>&lt;&gt;</a:t>
+              <a:t>100</a:t>
             </a:r>
             <a:endParaRPr dirty="0">
               <a:solidFill>
@@ -8202,31 +8198,15 @@
                   <a:schemeClr val="dk2"/>
                 </a:solidFill>
               </a:rPr>
-              <a:t>k (</a:t>
-            </a:r>
-            <a:r>
-              <a:rPr lang="en" dirty="0" err="1">
-                <a:solidFill>
-                  <a:schemeClr val="dk2"/>
+              <a:t>k (kNN): </a:t>
+            </a:r>
+            <a:r>
+              <a:rPr lang="en" dirty="0">
+                <a:solidFill>
+                  <a:srgbClr val="FF0000"/>
                 </a:solidFill>
               </a:rPr>
-              <a:t>kNN</a:t>
-            </a:r>
-            <a:r>
-              <a:rPr lang="en" dirty="0">
-                <a:solidFill>
-                  <a:schemeClr val="dk2"/>
-                </a:solidFill>
-              </a:rPr>
-              <a:t>): </a:t>
-            </a:r>
-            <a:r>
-              <a:rPr lang="en" dirty="0">
-                <a:solidFill>
-                  <a:srgbClr val="FF0000"/>
-                </a:solidFill>
-              </a:rPr>
-              <a:t>&lt;&gt;</a:t>
+              <a:t>15</a:t>
             </a:r>
           </a:p>
           <a:p>
@@ -8247,6 +8227,36 @@
           </a:p>
         </p:txBody>
       </p:sp>
+      <p:pic>
+        <p:nvPicPr>
+          <p:cNvPr id="3" name="图片 2">
+            <a:extLst>
+              <a:ext uri="{FF2B5EF4-FFF2-40B4-BE49-F238E27FC236}">
+                <a16:creationId xmlns:a16="http://schemas.microsoft.com/office/drawing/2014/main" id="{2982BADF-1AE6-F142-7DA7-6B1BA8AEBCB5}"/>
+              </a:ext>
+            </a:extLst>
+          </p:cNvPr>
+          <p:cNvPicPr>
+            <a:picLocks noChangeAspect="1"/>
+          </p:cNvPicPr>
+          <p:nvPr/>
+        </p:nvPicPr>
+        <p:blipFill>
+          <a:blip r:embed="rId3"/>
+          <a:stretch>
+            <a:fillRect/>
+          </a:stretch>
+        </p:blipFill>
+        <p:spPr>
+          <a:xfrm>
+            <a:off x="411126" y="1512832"/>
+            <a:ext cx="3862633" cy="3424821"/>
+          </a:xfrm>
+          <a:prstGeom prst="rect">
+            <a:avLst/>
+          </a:prstGeom>
+        </p:spPr>
+      </p:pic>
     </p:spTree>
     <p:extLst>
       <p:ext uri="{BB962C8B-B14F-4D97-AF65-F5344CB8AC3E}">
@@ -8414,13 +8424,18 @@
           </a:p>
           <a:p>
             <a:r>
-              <a:rPr lang="en" dirty="0">
+              <a:rPr lang="en">
                 <a:solidFill>
                   <a:srgbClr val="FF0000"/>
                 </a:solidFill>
               </a:rPr>
-              <a:t>&lt;&gt;</a:t>
-            </a:r>
+              <a:t>Used Manhattan Dist, Chebyshev Dist, Cosine Similarity, Mahalanobis Dist, but none better than Euclidean.</a:t>
+            </a:r>
+            <a:endParaRPr lang="en" dirty="0">
+              <a:solidFill>
+                <a:srgbClr val="FF0000"/>
+              </a:solidFill>
+            </a:endParaRPr>
           </a:p>
           <a:p>
             <a:pPr marL="0" lvl="0" indent="0" algn="l" rtl="0">
@@ -8622,7 +8637,17 @@
                   <a:srgbClr val="FF0000"/>
                 </a:solidFill>
               </a:rPr>
-              <a:t>&lt;&gt;</a:t>
+              <a:t>sklearn with polynomial kernel</a:t>
+            </a:r>
+          </a:p>
+          <a:p>
+            <a:r>
+              <a:rPr lang="en" dirty="0">
+                <a:solidFill>
+                  <a:srgbClr val="FF0000"/>
+                </a:solidFill>
+              </a:rPr>
+              <a:t>Other params indicated in part 3.1</a:t>
             </a:r>
           </a:p>
           <a:p>
@@ -8675,6 +8700,36 @@
           </a:p>
         </p:txBody>
       </p:sp>
+      <p:pic>
+        <p:nvPicPr>
+          <p:cNvPr id="3" name="图片 2">
+            <a:extLst>
+              <a:ext uri="{FF2B5EF4-FFF2-40B4-BE49-F238E27FC236}">
+                <a16:creationId xmlns:a16="http://schemas.microsoft.com/office/drawing/2014/main" id="{F64BA13B-109A-2324-F0F5-B19A1B987CA5}"/>
+              </a:ext>
+            </a:extLst>
+          </p:cNvPr>
+          <p:cNvPicPr>
+            <a:picLocks noChangeAspect="1"/>
+          </p:cNvPicPr>
+          <p:nvPr/>
+        </p:nvPicPr>
+        <p:blipFill>
+          <a:blip r:embed="rId3"/>
+          <a:stretch>
+            <a:fillRect/>
+          </a:stretch>
+        </p:blipFill>
+        <p:spPr>
+          <a:xfrm>
+            <a:off x="305753" y="1408738"/>
+            <a:ext cx="3898698" cy="3430278"/>
+          </a:xfrm>
+          <a:prstGeom prst="rect">
+            <a:avLst/>
+          </a:prstGeom>
+        </p:spPr>
+      </p:pic>
     </p:spTree>
     <p:extLst>
       <p:ext uri="{BB962C8B-B14F-4D97-AF65-F5344CB8AC3E}">
@@ -9468,7 +9523,6 @@
               <a:rPr lang="en" b="1" dirty="0"/>
               <a:t>? What do you think led to this observation?</a:t>
             </a:r>
-            <a:endParaRPr b="1" dirty="0"/>
           </a:p>
           <a:p>
             <a:pPr marL="0" lvl="0" indent="0" algn="l" rtl="0">
@@ -9486,13 +9540,43 @@
                   <a:srgbClr val="FF0000"/>
                 </a:solidFill>
               </a:rPr>
-              <a:t>&lt;Write here&gt;</a:t>
-            </a:r>
-            <a:endParaRPr dirty="0">
-              <a:solidFill>
-                <a:srgbClr val="FF0000"/>
-              </a:solidFill>
-            </a:endParaRPr>
+              <a:t>The accuracy increases as tiny image size and k increases. For tiny image size, larger images captures more information from the original image, resulting in better predictions. For k, greater k mitigates the influence of outliers, resulting in better predictions.</a:t>
+            </a:r>
+          </a:p>
+          <a:p>
+            <a:pPr marL="0" lvl="0" indent="0" algn="l" rtl="0">
+              <a:spcBef>
+                <a:spcPts val="1600"/>
+              </a:spcBef>
+              <a:spcAft>
+                <a:spcPts val="1600"/>
+              </a:spcAft>
+              <a:buNone/>
+            </a:pPr>
+            <a:r>
+              <a:rPr lang="en-US" dirty="0">
+                <a:solidFill>
+                  <a:srgbClr val="FF0000"/>
+                </a:solidFill>
+              </a:rPr>
+              <a:t>In terms of processing time, theoretically a higher image size and k would significantly increase the processing time, but due to it being a much faster algorithm than the </a:t>
+            </a:r>
+            <a:r>
+              <a:rPr lang="en-US" dirty="0" err="1">
+                <a:solidFill>
+                  <a:srgbClr val="FF0000"/>
+                </a:solidFill>
+              </a:rPr>
+              <a:t>BoW</a:t>
+            </a:r>
+            <a:r>
+              <a:rPr lang="en-US" dirty="0">
+                <a:solidFill>
+                  <a:srgbClr val="FF0000"/>
+                </a:solidFill>
+              </a:rPr>
+              <a:t> SIFT this processing time advantage is not observed.</a:t>
+            </a:r>
           </a:p>
         </p:txBody>
       </p:sp>
@@ -9906,7 +9990,23 @@
                   <a:srgbClr val="FF0000"/>
                 </a:solidFill>
               </a:rPr>
-              <a:t>&lt;Write here&gt;</a:t>
+              <a:t>Tiny images resizes images to a small fixed size, resulting in feature loss comparing to SIFT. It also ignores rotation and transformation and lacks the ability to discriminate according to feature importance. </a:t>
+            </a:r>
+            <a:r>
+              <a:rPr lang="en-US" dirty="0" err="1">
+                <a:solidFill>
+                  <a:srgbClr val="FF0000"/>
+                </a:solidFill>
+              </a:rPr>
+              <a:t>BoW</a:t>
+            </a:r>
+            <a:r>
+              <a:rPr lang="en-US" dirty="0">
+                <a:solidFill>
+                  <a:srgbClr val="FF0000"/>
+                </a:solidFill>
+              </a:rPr>
+              <a:t> with SIFT, on the other hand, can find more abstract and discriminated set of features using vocabulary generated from SIFT descriptors. It is also capable of acknowledging rotations and transformations in an image. Therefore it has a much higher accuracy.</a:t>
             </a:r>
           </a:p>
         </p:txBody>
@@ -10409,7 +10509,7 @@
                   <a:srgbClr val="FF0000"/>
                 </a:solidFill>
               </a:rPr>
-              <a:t>&lt;&gt;</a:t>
+              <a:t>43.00%</a:t>
             </a:r>
             <a:endParaRPr lang="en-US" dirty="0">
               <a:solidFill>
@@ -10448,7 +10548,7 @@
                   <a:srgbClr val="FF0000"/>
                 </a:solidFill>
               </a:rPr>
-              <a:t>&lt;&gt;</a:t>
+              <a:t>46.80%</a:t>
             </a:r>
             <a:endParaRPr dirty="0">
               <a:solidFill>
@@ -10487,7 +10587,7 @@
                   <a:srgbClr val="FF0000"/>
                 </a:solidFill>
               </a:rPr>
-              <a:t>&lt;&gt;</a:t>
+              <a:t>Taking too long</a:t>
             </a:r>
           </a:p>
         </p:txBody>
@@ -10500,7 +10600,7 @@
         </p:nvSpPr>
         <p:spPr>
           <a:xfrm>
-            <a:off x="4802189" y="2006082"/>
+            <a:off x="4773908" y="2006082"/>
             <a:ext cx="2059200" cy="2800350"/>
           </a:xfrm>
           <a:prstGeom prst="rect">
@@ -10587,7 +10687,15 @@
                   <a:srgbClr val="FF0000"/>
                 </a:solidFill>
               </a:rPr>
-              <a:t> &lt;&gt;</a:t>
+              <a:t> </a:t>
+            </a:r>
+            <a:r>
+              <a:rPr lang="en-US" dirty="0">
+                <a:solidFill>
+                  <a:srgbClr val="FF0000"/>
+                </a:solidFill>
+              </a:rPr>
+              <a:t>44.00%</a:t>
             </a:r>
             <a:endParaRPr dirty="0">
               <a:solidFill>
@@ -10635,7 +10743,15 @@
                   <a:srgbClr val="FF0000"/>
                 </a:solidFill>
               </a:rPr>
-              <a:t> &lt;&gt;</a:t>
+              <a:t> </a:t>
+            </a:r>
+            <a:r>
+              <a:rPr lang="en-US" dirty="0">
+                <a:solidFill>
+                  <a:srgbClr val="FF0000"/>
+                </a:solidFill>
+              </a:rPr>
+              <a:t>43.00%</a:t>
             </a:r>
             <a:endParaRPr dirty="0">
               <a:solidFill>
@@ -10683,7 +10799,15 @@
                   <a:srgbClr val="FF0000"/>
                 </a:solidFill>
               </a:rPr>
-              <a:t> &lt;&gt;</a:t>
+              <a:t> </a:t>
+            </a:r>
+            <a:r>
+              <a:rPr lang="en-US" dirty="0">
+                <a:solidFill>
+                  <a:srgbClr val="FF0000"/>
+                </a:solidFill>
+              </a:rPr>
+              <a:t>45.87%</a:t>
             </a:r>
             <a:endParaRPr dirty="0">
               <a:solidFill>
@@ -10731,7 +10855,15 @@
                   <a:srgbClr val="FF0000"/>
                 </a:solidFill>
               </a:rPr>
-              <a:t> &lt;&gt;</a:t>
+              <a:t> </a:t>
+            </a:r>
+            <a:r>
+              <a:rPr lang="en-US" dirty="0">
+                <a:solidFill>
+                  <a:srgbClr val="FF0000"/>
+                </a:solidFill>
+              </a:rPr>
+              <a:t>46.27%</a:t>
             </a:r>
             <a:endParaRPr dirty="0">
               <a:solidFill>
@@ -10779,7 +10911,7 @@
                   <a:srgbClr val="FF0000"/>
                 </a:solidFill>
               </a:rPr>
-              <a:t> &lt;&gt;</a:t>
+              <a:t> 47.27%</a:t>
             </a:r>
             <a:endParaRPr dirty="0">
               <a:solidFill>
